--- a/TrashTruck/V1/Instructions.pptx
+++ b/TrashTruck/V1/Instructions.pptx
@@ -175,7 +175,7 @@
           <a:noFill/>
           <a:extLst>
             <a:ext uri="{909E8E84-426E-40dd-AFC4-6F175D3DCCD1}">
-              <a14:hiddenFill xmlns:a14="http://schemas.microsoft.com/office/drawing/2010/main" xmlns="">
+              <a14:hiddenFill xmlns="" xmlns:a14="http://schemas.microsoft.com/office/drawing/2010/main">
                 <a:solidFill>
                   <a:srgbClr val="FFFFFF"/>
                 </a:solidFill>
@@ -234,7 +234,7 @@
             </a:ln>
             <a:extLst>
               <a:ext uri="{91240B29-F687-4f45-9708-019B960494DF}">
-                <a14:hiddenLine xmlns:a14="http://schemas.microsoft.com/office/drawing/2010/main" xmlns="" w="9525">
+                <a14:hiddenLine xmlns="" xmlns:a14="http://schemas.microsoft.com/office/drawing/2010/main" w="9525">
                   <a:solidFill>
                     <a:srgbClr val="000000"/>
                   </a:solidFill>
@@ -324,7 +324,7 @@
             </a:ln>
             <a:extLst>
               <a:ext uri="{91240B29-F687-4f45-9708-019B960494DF}">
-                <a14:hiddenLine xmlns:a14="http://schemas.microsoft.com/office/drawing/2010/main" xmlns="" w="9525">
+                <a14:hiddenLine xmlns="" xmlns:a14="http://schemas.microsoft.com/office/drawing/2010/main" w="9525">
                   <a:solidFill>
                     <a:srgbClr val="000000"/>
                   </a:solidFill>
@@ -414,7 +414,7 @@
             </a:ln>
             <a:extLst>
               <a:ext uri="{91240B29-F687-4f45-9708-019B960494DF}">
-                <a14:hiddenLine xmlns:a14="http://schemas.microsoft.com/office/drawing/2010/main" xmlns="" w="9525">
+                <a14:hiddenLine xmlns="" xmlns:a14="http://schemas.microsoft.com/office/drawing/2010/main" w="9525">
                   <a:solidFill>
                     <a:srgbClr val="000000"/>
                   </a:solidFill>
@@ -448,7 +448,7 @@
             </a:ln>
             <a:extLst>
               <a:ext uri="{91240B29-F687-4f45-9708-019B960494DF}">
-                <a14:hiddenLine xmlns:a14="http://schemas.microsoft.com/office/drawing/2010/main" xmlns="" w="9525">
+                <a14:hiddenLine xmlns="" xmlns:a14="http://schemas.microsoft.com/office/drawing/2010/main" w="9525">
                   <a:solidFill>
                     <a:srgbClr val="000000"/>
                   </a:solidFill>
@@ -538,7 +538,7 @@
             </a:ln>
             <a:extLst>
               <a:ext uri="{91240B29-F687-4f45-9708-019B960494DF}">
-                <a14:hiddenLine xmlns:a14="http://schemas.microsoft.com/office/drawing/2010/main" xmlns="" w="9525">
+                <a14:hiddenLine xmlns="" xmlns:a14="http://schemas.microsoft.com/office/drawing/2010/main" w="9525">
                   <a:solidFill>
                     <a:srgbClr val="000000"/>
                   </a:solidFill>
@@ -600,7 +600,7 @@
             </a:ln>
             <a:extLst>
               <a:ext uri="{91240B29-F687-4f45-9708-019B960494DF}">
-                <a14:hiddenLine xmlns:a14="http://schemas.microsoft.com/office/drawing/2010/main" xmlns="" w="9525">
+                <a14:hiddenLine xmlns="" xmlns:a14="http://schemas.microsoft.com/office/drawing/2010/main" w="9525">
                   <a:solidFill>
                     <a:srgbClr val="000000"/>
                   </a:solidFill>
@@ -662,7 +662,7 @@
             </a:ln>
             <a:extLst>
               <a:ext uri="{91240B29-F687-4f45-9708-019B960494DF}">
-                <a14:hiddenLine xmlns:a14="http://schemas.microsoft.com/office/drawing/2010/main" xmlns="" w="9525">
+                <a14:hiddenLine xmlns="" xmlns:a14="http://schemas.microsoft.com/office/drawing/2010/main" w="9525">
                   <a:solidFill>
                     <a:srgbClr val="000000"/>
                   </a:solidFill>
@@ -752,7 +752,7 @@
             </a:ln>
             <a:extLst>
               <a:ext uri="{91240B29-F687-4f45-9708-019B960494DF}">
-                <a14:hiddenLine xmlns:a14="http://schemas.microsoft.com/office/drawing/2010/main" xmlns="" w="9525">
+                <a14:hiddenLine xmlns="" xmlns:a14="http://schemas.microsoft.com/office/drawing/2010/main" w="9525">
                   <a:solidFill>
                     <a:srgbClr val="000000"/>
                   </a:solidFill>
@@ -814,7 +814,7 @@
             </a:ln>
             <a:extLst>
               <a:ext uri="{91240B29-F687-4f45-9708-019B960494DF}">
-                <a14:hiddenLine xmlns:a14="http://schemas.microsoft.com/office/drawing/2010/main" xmlns="" w="9525">
+                <a14:hiddenLine xmlns="" xmlns:a14="http://schemas.microsoft.com/office/drawing/2010/main" w="9525">
                   <a:solidFill>
                     <a:srgbClr val="000000"/>
                   </a:solidFill>
@@ -876,7 +876,7 @@
             </a:ln>
             <a:extLst>
               <a:ext uri="{91240B29-F687-4f45-9708-019B960494DF}">
-                <a14:hiddenLine xmlns:a14="http://schemas.microsoft.com/office/drawing/2010/main" xmlns="" w="9525">
+                <a14:hiddenLine xmlns="" xmlns:a14="http://schemas.microsoft.com/office/drawing/2010/main" w="9525">
                   <a:solidFill>
                     <a:srgbClr val="000000"/>
                   </a:solidFill>
@@ -966,7 +966,7 @@
             </a:ln>
             <a:extLst>
               <a:ext uri="{91240B29-F687-4f45-9708-019B960494DF}">
-                <a14:hiddenLine xmlns:a14="http://schemas.microsoft.com/office/drawing/2010/main" xmlns="" w="9525">
+                <a14:hiddenLine xmlns="" xmlns:a14="http://schemas.microsoft.com/office/drawing/2010/main" w="9525">
                   <a:solidFill>
                     <a:srgbClr val="000000"/>
                   </a:solidFill>
@@ -1056,7 +1056,7 @@
             </a:ln>
             <a:extLst>
               <a:ext uri="{91240B29-F687-4f45-9708-019B960494DF}">
-                <a14:hiddenLine xmlns:a14="http://schemas.microsoft.com/office/drawing/2010/main" xmlns="" w="9525">
+                <a14:hiddenLine xmlns="" xmlns:a14="http://schemas.microsoft.com/office/drawing/2010/main" w="9525">
                   <a:solidFill>
                     <a:srgbClr val="000000"/>
                   </a:solidFill>
@@ -1118,7 +1118,7 @@
             </a:ln>
             <a:extLst>
               <a:ext uri="{91240B29-F687-4f45-9708-019B960494DF}">
-                <a14:hiddenLine xmlns:a14="http://schemas.microsoft.com/office/drawing/2010/main" xmlns="" w="9525">
+                <a14:hiddenLine xmlns="" xmlns:a14="http://schemas.microsoft.com/office/drawing/2010/main" w="9525">
                   <a:solidFill>
                     <a:srgbClr val="000000"/>
                   </a:solidFill>
@@ -1228,7 +1228,7 @@
             </a:ln>
             <a:extLst>
               <a:ext uri="{91240B29-F687-4f45-9708-019B960494DF}">
-                <a14:hiddenLine xmlns:a14="http://schemas.microsoft.com/office/drawing/2010/main" xmlns="" w="9525">
+                <a14:hiddenLine xmlns="" xmlns:a14="http://schemas.microsoft.com/office/drawing/2010/main" w="9525">
                   <a:solidFill>
                     <a:srgbClr val="000000"/>
                   </a:solidFill>
@@ -1290,7 +1290,7 @@
             </a:ln>
             <a:extLst>
               <a:ext uri="{91240B29-F687-4f45-9708-019B960494DF}">
-                <a14:hiddenLine xmlns:a14="http://schemas.microsoft.com/office/drawing/2010/main" xmlns="" w="9525">
+                <a14:hiddenLine xmlns="" xmlns:a14="http://schemas.microsoft.com/office/drawing/2010/main" w="9525">
                   <a:solidFill>
                     <a:srgbClr val="000000"/>
                   </a:solidFill>
@@ -1380,7 +1380,7 @@
             </a:ln>
             <a:extLst>
               <a:ext uri="{91240B29-F687-4f45-9708-019B960494DF}">
-                <a14:hiddenLine xmlns:a14="http://schemas.microsoft.com/office/drawing/2010/main" xmlns="" w="9525">
+                <a14:hiddenLine xmlns="" xmlns:a14="http://schemas.microsoft.com/office/drawing/2010/main" w="9525">
                   <a:solidFill>
                     <a:srgbClr val="000000"/>
                   </a:solidFill>
@@ -1470,7 +1470,7 @@
             </a:ln>
             <a:extLst>
               <a:ext uri="{91240B29-F687-4f45-9708-019B960494DF}">
-                <a14:hiddenLine xmlns:a14="http://schemas.microsoft.com/office/drawing/2010/main" xmlns="" w="9525">
+                <a14:hiddenLine xmlns="" xmlns:a14="http://schemas.microsoft.com/office/drawing/2010/main" w="9525">
                   <a:solidFill>
                     <a:srgbClr val="000000"/>
                   </a:solidFill>
@@ -1532,7 +1532,7 @@
             </a:ln>
             <a:extLst>
               <a:ext uri="{91240B29-F687-4f45-9708-019B960494DF}">
-                <a14:hiddenLine xmlns:a14="http://schemas.microsoft.com/office/drawing/2010/main" xmlns="" w="9525">
+                <a14:hiddenLine xmlns="" xmlns:a14="http://schemas.microsoft.com/office/drawing/2010/main" w="9525">
                   <a:solidFill>
                     <a:srgbClr val="000000"/>
                   </a:solidFill>
@@ -1622,7 +1622,7 @@
             </a:ln>
             <a:extLst>
               <a:ext uri="{91240B29-F687-4f45-9708-019B960494DF}">
-                <a14:hiddenLine xmlns:a14="http://schemas.microsoft.com/office/drawing/2010/main" xmlns="" w="9525">
+                <a14:hiddenLine xmlns="" xmlns:a14="http://schemas.microsoft.com/office/drawing/2010/main" w="9525">
                   <a:solidFill>
                     <a:srgbClr val="000000"/>
                   </a:solidFill>
@@ -1712,7 +1712,7 @@
             </a:ln>
             <a:extLst>
               <a:ext uri="{91240B29-F687-4f45-9708-019B960494DF}">
-                <a14:hiddenLine xmlns:a14="http://schemas.microsoft.com/office/drawing/2010/main" xmlns="" w="9525">
+                <a14:hiddenLine xmlns="" xmlns:a14="http://schemas.microsoft.com/office/drawing/2010/main" w="9525">
                   <a:solidFill>
                     <a:srgbClr val="000000"/>
                   </a:solidFill>
@@ -1768,7 +1768,7 @@
             </a:ln>
             <a:extLst>
               <a:ext uri="{91240B29-F687-4f45-9708-019B960494DF}">
-                <a14:hiddenLine xmlns:a14="http://schemas.microsoft.com/office/drawing/2010/main" xmlns="" w="9525">
+                <a14:hiddenLine xmlns="" xmlns:a14="http://schemas.microsoft.com/office/drawing/2010/main" w="9525">
                   <a:solidFill>
                     <a:srgbClr val="000000"/>
                   </a:solidFill>
@@ -1858,7 +1858,7 @@
             </a:ln>
             <a:extLst>
               <a:ext uri="{91240B29-F687-4f45-9708-019B960494DF}">
-                <a14:hiddenLine xmlns:a14="http://schemas.microsoft.com/office/drawing/2010/main" xmlns="" w="9525">
+                <a14:hiddenLine xmlns="" xmlns:a14="http://schemas.microsoft.com/office/drawing/2010/main" w="9525">
                   <a:solidFill>
                     <a:srgbClr val="000000"/>
                   </a:solidFill>
@@ -1914,7 +1914,7 @@
             </a:ln>
             <a:extLst>
               <a:ext uri="{91240B29-F687-4f45-9708-019B960494DF}">
-                <a14:hiddenLine xmlns:a14="http://schemas.microsoft.com/office/drawing/2010/main" xmlns="" w="9525">
+                <a14:hiddenLine xmlns="" xmlns:a14="http://schemas.microsoft.com/office/drawing/2010/main" w="9525">
                   <a:solidFill>
                     <a:srgbClr val="000000"/>
                   </a:solidFill>
@@ -2004,7 +2004,7 @@
             </a:ln>
             <a:extLst>
               <a:ext uri="{91240B29-F687-4f45-9708-019B960494DF}">
-                <a14:hiddenLine xmlns:a14="http://schemas.microsoft.com/office/drawing/2010/main" xmlns="" w="9525">
+                <a14:hiddenLine xmlns="" xmlns:a14="http://schemas.microsoft.com/office/drawing/2010/main" w="9525">
                   <a:solidFill>
                     <a:srgbClr val="000000"/>
                   </a:solidFill>
@@ -2072,7 +2072,7 @@
             </a:ln>
             <a:extLst>
               <a:ext uri="{91240B29-F687-4f45-9708-019B960494DF}">
-                <a14:hiddenLine xmlns:a14="http://schemas.microsoft.com/office/drawing/2010/main" xmlns="" w="9525">
+                <a14:hiddenLine xmlns="" xmlns:a14="http://schemas.microsoft.com/office/drawing/2010/main" w="9525">
                   <a:solidFill>
                     <a:srgbClr val="000000"/>
                   </a:solidFill>
@@ -2162,7 +2162,7 @@
             </a:ln>
             <a:extLst>
               <a:ext uri="{91240B29-F687-4f45-9708-019B960494DF}">
-                <a14:hiddenLine xmlns:a14="http://schemas.microsoft.com/office/drawing/2010/main" xmlns="" w="9525">
+                <a14:hiddenLine xmlns="" xmlns:a14="http://schemas.microsoft.com/office/drawing/2010/main" w="9525">
                   <a:solidFill>
                     <a:srgbClr val="000000"/>
                   </a:solidFill>
@@ -2230,7 +2230,7 @@
             </a:ln>
             <a:extLst>
               <a:ext uri="{91240B29-F687-4f45-9708-019B960494DF}">
-                <a14:hiddenLine xmlns:a14="http://schemas.microsoft.com/office/drawing/2010/main" xmlns="" w="9525">
+                <a14:hiddenLine xmlns="" xmlns:a14="http://schemas.microsoft.com/office/drawing/2010/main" w="9525">
                   <a:solidFill>
                     <a:srgbClr val="000000"/>
                   </a:solidFill>
@@ -2320,7 +2320,7 @@
             </a:ln>
             <a:extLst>
               <a:ext uri="{91240B29-F687-4f45-9708-019B960494DF}">
-                <a14:hiddenLine xmlns:a14="http://schemas.microsoft.com/office/drawing/2010/main" xmlns="" w="9525">
+                <a14:hiddenLine xmlns="" xmlns:a14="http://schemas.microsoft.com/office/drawing/2010/main" w="9525">
                   <a:solidFill>
                     <a:srgbClr val="000000"/>
                   </a:solidFill>
@@ -2354,7 +2354,7 @@
             </a:ln>
             <a:extLst>
               <a:ext uri="{91240B29-F687-4f45-9708-019B960494DF}">
-                <a14:hiddenLine xmlns:a14="http://schemas.microsoft.com/office/drawing/2010/main" xmlns="" w="9525">
+                <a14:hiddenLine xmlns="" xmlns:a14="http://schemas.microsoft.com/office/drawing/2010/main" w="9525">
                   <a:solidFill>
                     <a:srgbClr val="000000"/>
                   </a:solidFill>
@@ -2444,7 +2444,7 @@
             </a:ln>
             <a:extLst>
               <a:ext uri="{91240B29-F687-4f45-9708-019B960494DF}">
-                <a14:hiddenLine xmlns:a14="http://schemas.microsoft.com/office/drawing/2010/main" xmlns="" w="9525">
+                <a14:hiddenLine xmlns="" xmlns:a14="http://schemas.microsoft.com/office/drawing/2010/main" w="9525">
                   <a:solidFill>
                     <a:srgbClr val="000000"/>
                   </a:solidFill>
@@ -2506,7 +2506,7 @@
             </a:ln>
             <a:extLst>
               <a:ext uri="{91240B29-F687-4f45-9708-019B960494DF}">
-                <a14:hiddenLine xmlns:a14="http://schemas.microsoft.com/office/drawing/2010/main" xmlns="" w="9525">
+                <a14:hiddenLine xmlns="" xmlns:a14="http://schemas.microsoft.com/office/drawing/2010/main" w="9525">
                   <a:solidFill>
                     <a:srgbClr val="000000"/>
                   </a:solidFill>
@@ -2568,7 +2568,7 @@
             </a:ln>
             <a:extLst>
               <a:ext uri="{91240B29-F687-4f45-9708-019B960494DF}">
-                <a14:hiddenLine xmlns:a14="http://schemas.microsoft.com/office/drawing/2010/main" xmlns="" w="9525">
+                <a14:hiddenLine xmlns="" xmlns:a14="http://schemas.microsoft.com/office/drawing/2010/main" w="9525">
                   <a:solidFill>
                     <a:srgbClr val="000000"/>
                   </a:solidFill>
@@ -2658,7 +2658,7 @@
             </a:ln>
             <a:extLst>
               <a:ext uri="{91240B29-F687-4f45-9708-019B960494DF}">
-                <a14:hiddenLine xmlns:a14="http://schemas.microsoft.com/office/drawing/2010/main" xmlns="" w="9525">
+                <a14:hiddenLine xmlns="" xmlns:a14="http://schemas.microsoft.com/office/drawing/2010/main" w="9525">
                   <a:solidFill>
                     <a:srgbClr val="000000"/>
                   </a:solidFill>
@@ -2726,7 +2726,7 @@
             </a:ln>
             <a:extLst>
               <a:ext uri="{91240B29-F687-4f45-9708-019B960494DF}">
-                <a14:hiddenLine xmlns:a14="http://schemas.microsoft.com/office/drawing/2010/main" xmlns="" w="9525">
+                <a14:hiddenLine xmlns="" xmlns:a14="http://schemas.microsoft.com/office/drawing/2010/main" w="9525">
                   <a:solidFill>
                     <a:srgbClr val="000000"/>
                   </a:solidFill>
@@ -2788,7 +2788,7 @@
             </a:ln>
             <a:extLst>
               <a:ext uri="{91240B29-F687-4f45-9708-019B960494DF}">
-                <a14:hiddenLine xmlns:a14="http://schemas.microsoft.com/office/drawing/2010/main" xmlns="" w="9525">
+                <a14:hiddenLine xmlns="" xmlns:a14="http://schemas.microsoft.com/office/drawing/2010/main" w="9525">
                   <a:solidFill>
                     <a:srgbClr val="000000"/>
                   </a:solidFill>
@@ -2878,7 +2878,7 @@
             </a:ln>
             <a:extLst>
               <a:ext uri="{91240B29-F687-4f45-9708-019B960494DF}">
-                <a14:hiddenLine xmlns:a14="http://schemas.microsoft.com/office/drawing/2010/main" xmlns="" w="9525">
+                <a14:hiddenLine xmlns="" xmlns:a14="http://schemas.microsoft.com/office/drawing/2010/main" w="9525">
                   <a:solidFill>
                     <a:srgbClr val="000000"/>
                   </a:solidFill>
@@ -2940,7 +2940,7 @@
             </a:ln>
             <a:extLst>
               <a:ext uri="{91240B29-F687-4f45-9708-019B960494DF}">
-                <a14:hiddenLine xmlns:a14="http://schemas.microsoft.com/office/drawing/2010/main" xmlns="" w="9525">
+                <a14:hiddenLine xmlns="" xmlns:a14="http://schemas.microsoft.com/office/drawing/2010/main" w="9525">
                   <a:solidFill>
                     <a:srgbClr val="000000"/>
                   </a:solidFill>
@@ -3030,7 +3030,7 @@
             </a:ln>
             <a:extLst>
               <a:ext uri="{91240B29-F687-4f45-9708-019B960494DF}">
-                <a14:hiddenLine xmlns:a14="http://schemas.microsoft.com/office/drawing/2010/main" xmlns="" w="9525">
+                <a14:hiddenLine xmlns="" xmlns:a14="http://schemas.microsoft.com/office/drawing/2010/main" w="9525">
                   <a:solidFill>
                     <a:srgbClr val="000000"/>
                   </a:solidFill>
@@ -3092,7 +3092,7 @@
             </a:ln>
             <a:extLst>
               <a:ext uri="{91240B29-F687-4f45-9708-019B960494DF}">
-                <a14:hiddenLine xmlns:a14="http://schemas.microsoft.com/office/drawing/2010/main" xmlns="" w="9525">
+                <a14:hiddenLine xmlns="" xmlns:a14="http://schemas.microsoft.com/office/drawing/2010/main" w="9525">
                   <a:solidFill>
                     <a:srgbClr val="000000"/>
                   </a:solidFill>
@@ -3182,7 +3182,7 @@
             </a:ln>
             <a:extLst>
               <a:ext uri="{91240B29-F687-4f45-9708-019B960494DF}">
-                <a14:hiddenLine xmlns:a14="http://schemas.microsoft.com/office/drawing/2010/main" xmlns="" w="9525">
+                <a14:hiddenLine xmlns="" xmlns:a14="http://schemas.microsoft.com/office/drawing/2010/main" w="9525">
                   <a:solidFill>
                     <a:srgbClr val="000000"/>
                   </a:solidFill>
@@ -3216,7 +3216,7 @@
             </a:ln>
             <a:extLst>
               <a:ext uri="{91240B29-F687-4f45-9708-019B960494DF}">
-                <a14:hiddenLine xmlns:a14="http://schemas.microsoft.com/office/drawing/2010/main" xmlns="" w="9525">
+                <a14:hiddenLine xmlns="" xmlns:a14="http://schemas.microsoft.com/office/drawing/2010/main" w="9525">
                   <a:solidFill>
                     <a:srgbClr val="000000"/>
                   </a:solidFill>
@@ -3281,7 +3281,7 @@
             </a:ln>
             <a:extLst>
               <a:ext uri="{91240B29-F687-4f45-9708-019B960494DF}">
-                <a14:hiddenLine xmlns:a14="http://schemas.microsoft.com/office/drawing/2010/main" xmlns="" w="9525">
+                <a14:hiddenLine xmlns="" xmlns:a14="http://schemas.microsoft.com/office/drawing/2010/main" w="9525">
                   <a:solidFill>
                     <a:srgbClr val="000000"/>
                   </a:solidFill>
@@ -3371,7 +3371,7 @@
             </a:ln>
             <a:extLst>
               <a:ext uri="{91240B29-F687-4f45-9708-019B960494DF}">
-                <a14:hiddenLine xmlns:a14="http://schemas.microsoft.com/office/drawing/2010/main" xmlns="" w="9525">
+                <a14:hiddenLine xmlns="" xmlns:a14="http://schemas.microsoft.com/office/drawing/2010/main" w="9525">
                   <a:solidFill>
                     <a:srgbClr val="000000"/>
                   </a:solidFill>
@@ -3433,7 +3433,7 @@
             </a:ln>
             <a:extLst>
               <a:ext uri="{91240B29-F687-4f45-9708-019B960494DF}">
-                <a14:hiddenLine xmlns:a14="http://schemas.microsoft.com/office/drawing/2010/main" xmlns="" w="9525">
+                <a14:hiddenLine xmlns="" xmlns:a14="http://schemas.microsoft.com/office/drawing/2010/main" w="9525">
                   <a:solidFill>
                     <a:srgbClr val="000000"/>
                   </a:solidFill>
@@ -3523,7 +3523,7 @@
             </a:ln>
             <a:extLst>
               <a:ext uri="{91240B29-F687-4f45-9708-019B960494DF}">
-                <a14:hiddenLine xmlns:a14="http://schemas.microsoft.com/office/drawing/2010/main" xmlns="" w="9525">
+                <a14:hiddenLine xmlns="" xmlns:a14="http://schemas.microsoft.com/office/drawing/2010/main" w="9525">
                   <a:solidFill>
                     <a:srgbClr val="000000"/>
                   </a:solidFill>
@@ -3613,7 +3613,7 @@
             </a:ln>
             <a:extLst>
               <a:ext uri="{91240B29-F687-4f45-9708-019B960494DF}">
-                <a14:hiddenLine xmlns:a14="http://schemas.microsoft.com/office/drawing/2010/main" xmlns="" w="9525">
+                <a14:hiddenLine xmlns="" xmlns:a14="http://schemas.microsoft.com/office/drawing/2010/main" w="9525">
                   <a:solidFill>
                     <a:srgbClr val="000000"/>
                   </a:solidFill>
@@ -3678,7 +3678,7 @@
             </a:ln>
             <a:extLst>
               <a:ext uri="{91240B29-F687-4f45-9708-019B960494DF}">
-                <a14:hiddenLine xmlns:a14="http://schemas.microsoft.com/office/drawing/2010/main" xmlns="" w="9525">
+                <a14:hiddenLine xmlns="" xmlns:a14="http://schemas.microsoft.com/office/drawing/2010/main" w="9525">
                   <a:solidFill>
                     <a:srgbClr val="000000"/>
                   </a:solidFill>
@@ -3740,7 +3740,7 @@
             </a:ln>
             <a:extLst>
               <a:ext uri="{91240B29-F687-4f45-9708-019B960494DF}">
-                <a14:hiddenLine xmlns:a14="http://schemas.microsoft.com/office/drawing/2010/main" xmlns="" w="9525">
+                <a14:hiddenLine xmlns="" xmlns:a14="http://schemas.microsoft.com/office/drawing/2010/main" w="9525">
                   <a:solidFill>
                     <a:srgbClr val="000000"/>
                   </a:solidFill>
@@ -3830,7 +3830,7 @@
             </a:ln>
             <a:extLst>
               <a:ext uri="{91240B29-F687-4f45-9708-019B960494DF}">
-                <a14:hiddenLine xmlns:a14="http://schemas.microsoft.com/office/drawing/2010/main" xmlns="" w="9525">
+                <a14:hiddenLine xmlns="" xmlns:a14="http://schemas.microsoft.com/office/drawing/2010/main" w="9525">
                   <a:solidFill>
                     <a:srgbClr val="000000"/>
                   </a:solidFill>
@@ -3920,7 +3920,7 @@
             </a:ln>
             <a:extLst>
               <a:ext uri="{91240B29-F687-4f45-9708-019B960494DF}">
-                <a14:hiddenLine xmlns:a14="http://schemas.microsoft.com/office/drawing/2010/main" xmlns="" w="9525">
+                <a14:hiddenLine xmlns="" xmlns:a14="http://schemas.microsoft.com/office/drawing/2010/main" w="9525">
                   <a:solidFill>
                     <a:srgbClr val="000000"/>
                   </a:solidFill>
@@ -3982,7 +3982,7 @@
             </a:ln>
             <a:extLst>
               <a:ext uri="{91240B29-F687-4f45-9708-019B960494DF}">
-                <a14:hiddenLine xmlns:a14="http://schemas.microsoft.com/office/drawing/2010/main" xmlns="" w="9525">
+                <a14:hiddenLine xmlns="" xmlns:a14="http://schemas.microsoft.com/office/drawing/2010/main" w="9525">
                   <a:solidFill>
                     <a:srgbClr val="000000"/>
                   </a:solidFill>
@@ -4102,7 +4102,7 @@
             </a:ln>
             <a:extLst>
               <a:ext uri="{91240B29-F687-4f45-9708-019B960494DF}">
-                <a14:hiddenLine xmlns:a14="http://schemas.microsoft.com/office/drawing/2010/main" xmlns="" w="9525">
+                <a14:hiddenLine xmlns="" xmlns:a14="http://schemas.microsoft.com/office/drawing/2010/main" w="9525">
                   <a:solidFill>
                     <a:srgbClr val="000000"/>
                   </a:solidFill>
@@ -4170,7 +4170,7 @@
             </a:ln>
             <a:extLst>
               <a:ext uri="{91240B29-F687-4f45-9708-019B960494DF}">
-                <a14:hiddenLine xmlns:a14="http://schemas.microsoft.com/office/drawing/2010/main" xmlns="" w="9525">
+                <a14:hiddenLine xmlns="" xmlns:a14="http://schemas.microsoft.com/office/drawing/2010/main" w="9525">
                   <a:solidFill>
                     <a:srgbClr val="000000"/>
                   </a:solidFill>
@@ -4260,7 +4260,7 @@
             </a:ln>
             <a:extLst>
               <a:ext uri="{91240B29-F687-4f45-9708-019B960494DF}">
-                <a14:hiddenLine xmlns:a14="http://schemas.microsoft.com/office/drawing/2010/main" xmlns="" w="9525">
+                <a14:hiddenLine xmlns="" xmlns:a14="http://schemas.microsoft.com/office/drawing/2010/main" w="9525">
                   <a:solidFill>
                     <a:srgbClr val="000000"/>
                   </a:solidFill>
@@ -9074,7 +9074,7 @@
           <a:noFill/>
           <a:extLst>
             <a:ext uri="{909E8E84-426E-40dd-AFC4-6F175D3DCCD1}">
-              <a14:hiddenFill xmlns:a14="http://schemas.microsoft.com/office/drawing/2010/main" xmlns="">
+              <a14:hiddenFill xmlns="" xmlns:a14="http://schemas.microsoft.com/office/drawing/2010/main">
                 <a:solidFill>
                   <a:srgbClr val="FFFFFF"/>
                 </a:solidFill>
@@ -9148,7 +9148,7 @@
               </a:ln>
               <a:extLst>
                 <a:ext uri="{91240B29-F687-4f45-9708-019B960494DF}">
-                  <a14:hiddenLine xmlns:a14="http://schemas.microsoft.com/office/drawing/2010/main" xmlns="" w="9525">
+                  <a14:hiddenLine xmlns="" xmlns:a14="http://schemas.microsoft.com/office/drawing/2010/main" w="9525">
                     <a:solidFill>
                       <a:srgbClr val="000000"/>
                     </a:solidFill>
@@ -9238,7 +9238,7 @@
               </a:ln>
               <a:extLst>
                 <a:ext uri="{91240B29-F687-4f45-9708-019B960494DF}">
-                  <a14:hiddenLine xmlns:a14="http://schemas.microsoft.com/office/drawing/2010/main" xmlns="" w="9525">
+                  <a14:hiddenLine xmlns="" xmlns:a14="http://schemas.microsoft.com/office/drawing/2010/main" w="9525">
                     <a:solidFill>
                       <a:srgbClr val="000000"/>
                     </a:solidFill>
@@ -9328,7 +9328,7 @@
               </a:ln>
               <a:extLst>
                 <a:ext uri="{91240B29-F687-4f45-9708-019B960494DF}">
-                  <a14:hiddenLine xmlns:a14="http://schemas.microsoft.com/office/drawing/2010/main" xmlns="" w="9525">
+                  <a14:hiddenLine xmlns="" xmlns:a14="http://schemas.microsoft.com/office/drawing/2010/main" w="9525">
                     <a:solidFill>
                       <a:srgbClr val="000000"/>
                     </a:solidFill>
@@ -9390,7 +9390,7 @@
               </a:ln>
               <a:extLst>
                 <a:ext uri="{91240B29-F687-4f45-9708-019B960494DF}">
-                  <a14:hiddenLine xmlns:a14="http://schemas.microsoft.com/office/drawing/2010/main" xmlns="" w="9525">
+                  <a14:hiddenLine xmlns="" xmlns:a14="http://schemas.microsoft.com/office/drawing/2010/main" w="9525">
                     <a:solidFill>
                       <a:srgbClr val="000000"/>
                     </a:solidFill>
@@ -9480,7 +9480,7 @@
               </a:ln>
               <a:extLst>
                 <a:ext uri="{91240B29-F687-4f45-9708-019B960494DF}">
-                  <a14:hiddenLine xmlns:a14="http://schemas.microsoft.com/office/drawing/2010/main" xmlns="" w="9525">
+                  <a14:hiddenLine xmlns="" xmlns:a14="http://schemas.microsoft.com/office/drawing/2010/main" w="9525">
                     <a:solidFill>
                       <a:srgbClr val="000000"/>
                     </a:solidFill>
@@ -9542,7 +9542,7 @@
               </a:ln>
               <a:extLst>
                 <a:ext uri="{91240B29-F687-4f45-9708-019B960494DF}">
-                  <a14:hiddenLine xmlns:a14="http://schemas.microsoft.com/office/drawing/2010/main" xmlns="" w="9525">
+                  <a14:hiddenLine xmlns="" xmlns:a14="http://schemas.microsoft.com/office/drawing/2010/main" w="9525">
                     <a:solidFill>
                       <a:srgbClr val="000000"/>
                     </a:solidFill>
@@ -9604,7 +9604,7 @@
               </a:ln>
               <a:extLst>
                 <a:ext uri="{91240B29-F687-4f45-9708-019B960494DF}">
-                  <a14:hiddenLine xmlns:a14="http://schemas.microsoft.com/office/drawing/2010/main" xmlns="" w="9525">
+                  <a14:hiddenLine xmlns="" xmlns:a14="http://schemas.microsoft.com/office/drawing/2010/main" w="9525">
                     <a:solidFill>
                       <a:srgbClr val="000000"/>
                     </a:solidFill>
@@ -9694,7 +9694,7 @@
               </a:ln>
               <a:extLst>
                 <a:ext uri="{91240B29-F687-4f45-9708-019B960494DF}">
-                  <a14:hiddenLine xmlns:a14="http://schemas.microsoft.com/office/drawing/2010/main" xmlns="" w="9525">
+                  <a14:hiddenLine xmlns="" xmlns:a14="http://schemas.microsoft.com/office/drawing/2010/main" w="9525">
                     <a:solidFill>
                       <a:srgbClr val="000000"/>
                     </a:solidFill>
@@ -9784,7 +9784,7 @@
               </a:ln>
               <a:extLst>
                 <a:ext uri="{91240B29-F687-4f45-9708-019B960494DF}">
-                  <a14:hiddenLine xmlns:a14="http://schemas.microsoft.com/office/drawing/2010/main" xmlns="" w="9525">
+                  <a14:hiddenLine xmlns="" xmlns:a14="http://schemas.microsoft.com/office/drawing/2010/main" w="9525">
                     <a:solidFill>
                       <a:srgbClr val="000000"/>
                     </a:solidFill>
@@ -9846,7 +9846,7 @@
               </a:ln>
               <a:extLst>
                 <a:ext uri="{91240B29-F687-4f45-9708-019B960494DF}">
-                  <a14:hiddenLine xmlns:a14="http://schemas.microsoft.com/office/drawing/2010/main" xmlns="" w="9525">
+                  <a14:hiddenLine xmlns="" xmlns:a14="http://schemas.microsoft.com/office/drawing/2010/main" w="9525">
                     <a:solidFill>
                       <a:srgbClr val="000000"/>
                     </a:solidFill>
@@ -9956,7 +9956,7 @@
               </a:ln>
               <a:extLst>
                 <a:ext uri="{91240B29-F687-4f45-9708-019B960494DF}">
-                  <a14:hiddenLine xmlns:a14="http://schemas.microsoft.com/office/drawing/2010/main" xmlns="" w="9525">
+                  <a14:hiddenLine xmlns="" xmlns:a14="http://schemas.microsoft.com/office/drawing/2010/main" w="9525">
                     <a:solidFill>
                       <a:srgbClr val="000000"/>
                     </a:solidFill>
@@ -10040,7 +10040,7 @@
               </a:ln>
               <a:extLst>
                 <a:ext uri="{91240B29-F687-4f45-9708-019B960494DF}">
-                  <a14:hiddenLine xmlns:a14="http://schemas.microsoft.com/office/drawing/2010/main" xmlns="" w="9525">
+                  <a14:hiddenLine xmlns="" xmlns:a14="http://schemas.microsoft.com/office/drawing/2010/main" w="9525">
                     <a:solidFill>
                       <a:srgbClr val="000000"/>
                     </a:solidFill>
@@ -10102,7 +10102,7 @@
               </a:ln>
               <a:extLst>
                 <a:ext uri="{91240B29-F687-4f45-9708-019B960494DF}">
-                  <a14:hiddenLine xmlns:a14="http://schemas.microsoft.com/office/drawing/2010/main" xmlns="" w="9525">
+                  <a14:hiddenLine xmlns="" xmlns:a14="http://schemas.microsoft.com/office/drawing/2010/main" w="9525">
                     <a:solidFill>
                       <a:srgbClr val="000000"/>
                     </a:solidFill>
@@ -10164,7 +10164,7 @@
               </a:ln>
               <a:extLst>
                 <a:ext uri="{91240B29-F687-4f45-9708-019B960494DF}">
-                  <a14:hiddenLine xmlns:a14="http://schemas.microsoft.com/office/drawing/2010/main" xmlns="" w="9525">
+                  <a14:hiddenLine xmlns="" xmlns:a14="http://schemas.microsoft.com/office/drawing/2010/main" w="9525">
                     <a:solidFill>
                       <a:srgbClr val="000000"/>
                     </a:solidFill>
@@ -10254,7 +10254,7 @@
               </a:ln>
               <a:extLst>
                 <a:ext uri="{91240B29-F687-4f45-9708-019B960494DF}">
-                  <a14:hiddenLine xmlns:a14="http://schemas.microsoft.com/office/drawing/2010/main" xmlns="" w="9525">
+                  <a14:hiddenLine xmlns="" xmlns:a14="http://schemas.microsoft.com/office/drawing/2010/main" w="9525">
                     <a:solidFill>
                       <a:srgbClr val="000000"/>
                     </a:solidFill>
@@ -10288,7 +10288,7 @@
               </a:ln>
               <a:extLst>
                 <a:ext uri="{91240B29-F687-4f45-9708-019B960494DF}">
-                  <a14:hiddenLine xmlns:a14="http://schemas.microsoft.com/office/drawing/2010/main" xmlns="" w="9525">
+                  <a14:hiddenLine xmlns="" xmlns:a14="http://schemas.microsoft.com/office/drawing/2010/main" w="9525">
                     <a:solidFill>
                       <a:srgbClr val="000000"/>
                     </a:solidFill>
@@ -10353,7 +10353,7 @@
               </a:ln>
               <a:extLst>
                 <a:ext uri="{91240B29-F687-4f45-9708-019B960494DF}">
-                  <a14:hiddenLine xmlns:a14="http://schemas.microsoft.com/office/drawing/2010/main" xmlns="" w="9525">
+                  <a14:hiddenLine xmlns="" xmlns:a14="http://schemas.microsoft.com/office/drawing/2010/main" w="9525">
                     <a:solidFill>
                       <a:srgbClr val="000000"/>
                     </a:solidFill>
@@ -10443,7 +10443,7 @@
               </a:ln>
               <a:extLst>
                 <a:ext uri="{91240B29-F687-4f45-9708-019B960494DF}">
-                  <a14:hiddenLine xmlns:a14="http://schemas.microsoft.com/office/drawing/2010/main" xmlns="" w="9525">
+                  <a14:hiddenLine xmlns="" xmlns:a14="http://schemas.microsoft.com/office/drawing/2010/main" w="9525">
                     <a:solidFill>
                       <a:srgbClr val="000000"/>
                     </a:solidFill>
@@ -10505,7 +10505,7 @@
               </a:ln>
               <a:extLst>
                 <a:ext uri="{91240B29-F687-4f45-9708-019B960494DF}">
-                  <a14:hiddenLine xmlns:a14="http://schemas.microsoft.com/office/drawing/2010/main" xmlns="" w="9525">
+                  <a14:hiddenLine xmlns="" xmlns:a14="http://schemas.microsoft.com/office/drawing/2010/main" w="9525">
                     <a:solidFill>
                       <a:srgbClr val="000000"/>
                     </a:solidFill>
@@ -10595,7 +10595,7 @@
               </a:ln>
               <a:extLst>
                 <a:ext uri="{91240B29-F687-4f45-9708-019B960494DF}">
-                  <a14:hiddenLine xmlns:a14="http://schemas.microsoft.com/office/drawing/2010/main" xmlns="" w="9525">
+                  <a14:hiddenLine xmlns="" xmlns:a14="http://schemas.microsoft.com/office/drawing/2010/main" w="9525">
                     <a:solidFill>
                       <a:srgbClr val="000000"/>
                     </a:solidFill>
@@ -10660,7 +10660,7 @@
               </a:ln>
               <a:extLst>
                 <a:ext uri="{91240B29-F687-4f45-9708-019B960494DF}">
-                  <a14:hiddenLine xmlns:a14="http://schemas.microsoft.com/office/drawing/2010/main" xmlns="" w="9525">
+                  <a14:hiddenLine xmlns="" xmlns:a14="http://schemas.microsoft.com/office/drawing/2010/main" w="9525">
                     <a:solidFill>
                       <a:srgbClr val="000000"/>
                     </a:solidFill>
@@ -10722,7 +10722,7 @@
               </a:ln>
               <a:extLst>
                 <a:ext uri="{91240B29-F687-4f45-9708-019B960494DF}">
-                  <a14:hiddenLine xmlns:a14="http://schemas.microsoft.com/office/drawing/2010/main" xmlns="" w="9525">
+                  <a14:hiddenLine xmlns="" xmlns:a14="http://schemas.microsoft.com/office/drawing/2010/main" w="9525">
                     <a:solidFill>
                       <a:srgbClr val="000000"/>
                     </a:solidFill>
@@ -10812,7 +10812,7 @@
               </a:ln>
               <a:extLst>
                 <a:ext uri="{91240B29-F687-4f45-9708-019B960494DF}">
-                  <a14:hiddenLine xmlns:a14="http://schemas.microsoft.com/office/drawing/2010/main" xmlns="" w="9525">
+                  <a14:hiddenLine xmlns="" xmlns:a14="http://schemas.microsoft.com/office/drawing/2010/main" w="9525">
                     <a:solidFill>
                       <a:srgbClr val="000000"/>
                     </a:solidFill>
@@ -10902,7 +10902,7 @@
               </a:ln>
               <a:extLst>
                 <a:ext uri="{91240B29-F687-4f45-9708-019B960494DF}">
-                  <a14:hiddenLine xmlns:a14="http://schemas.microsoft.com/office/drawing/2010/main" xmlns="" w="9525">
+                  <a14:hiddenLine xmlns="" xmlns:a14="http://schemas.microsoft.com/office/drawing/2010/main" w="9525">
                     <a:solidFill>
                       <a:srgbClr val="000000"/>
                     </a:solidFill>
@@ -10967,7 +10967,7 @@
               </a:ln>
               <a:extLst>
                 <a:ext uri="{91240B29-F687-4f45-9708-019B960494DF}">
-                  <a14:hiddenLine xmlns:a14="http://schemas.microsoft.com/office/drawing/2010/main" xmlns="" w="9525">
+                  <a14:hiddenLine xmlns="" xmlns:a14="http://schemas.microsoft.com/office/drawing/2010/main" w="9525">
                     <a:solidFill>
                       <a:srgbClr val="000000"/>
                     </a:solidFill>
@@ -11087,7 +11087,7 @@
               </a:ln>
               <a:extLst>
                 <a:ext uri="{91240B29-F687-4f45-9708-019B960494DF}">
-                  <a14:hiddenLine xmlns:a14="http://schemas.microsoft.com/office/drawing/2010/main" xmlns="" w="9525">
+                  <a14:hiddenLine xmlns="" xmlns:a14="http://schemas.microsoft.com/office/drawing/2010/main" w="9525">
                     <a:solidFill>
                       <a:srgbClr val="000000"/>
                     </a:solidFill>
@@ -11168,7 +11168,7 @@
               </a:ln>
               <a:extLst>
                 <a:ext uri="{91240B29-F687-4f45-9708-019B960494DF}">
-                  <a14:hiddenLine xmlns:a14="http://schemas.microsoft.com/office/drawing/2010/main" xmlns="" w="9525">
+                  <a14:hiddenLine xmlns="" xmlns:a14="http://schemas.microsoft.com/office/drawing/2010/main" w="9525">
                     <a:solidFill>
                       <a:srgbClr val="000000"/>
                     </a:solidFill>
@@ -11283,7 +11283,7 @@
               </a:ln>
               <a:extLst>
                 <a:ext uri="{91240B29-F687-4f45-9708-019B960494DF}">
-                  <a14:hiddenLine xmlns:a14="http://schemas.microsoft.com/office/drawing/2010/main" xmlns="" w="9525">
+                  <a14:hiddenLine xmlns="" xmlns:a14="http://schemas.microsoft.com/office/drawing/2010/main" w="9525">
                     <a:solidFill>
                       <a:srgbClr val="000000"/>
                     </a:solidFill>
@@ -11373,7 +11373,7 @@
               </a:ln>
               <a:extLst>
                 <a:ext uri="{91240B29-F687-4f45-9708-019B960494DF}">
-                  <a14:hiddenLine xmlns:a14="http://schemas.microsoft.com/office/drawing/2010/main" xmlns="" w="9525">
+                  <a14:hiddenLine xmlns="" xmlns:a14="http://schemas.microsoft.com/office/drawing/2010/main" w="9525">
                     <a:solidFill>
                       <a:srgbClr val="000000"/>
                     </a:solidFill>
@@ -11438,7 +11438,7 @@
               </a:ln>
               <a:extLst>
                 <a:ext uri="{91240B29-F687-4f45-9708-019B960494DF}">
-                  <a14:hiddenLine xmlns:a14="http://schemas.microsoft.com/office/drawing/2010/main" xmlns="" w="9525">
+                  <a14:hiddenLine xmlns="" xmlns:a14="http://schemas.microsoft.com/office/drawing/2010/main" w="9525">
                     <a:solidFill>
                       <a:srgbClr val="000000"/>
                     </a:solidFill>
@@ -11528,7 +11528,7 @@
               </a:ln>
               <a:extLst>
                 <a:ext uri="{91240B29-F687-4f45-9708-019B960494DF}">
-                  <a14:hiddenLine xmlns:a14="http://schemas.microsoft.com/office/drawing/2010/main" xmlns="" w="9525">
+                  <a14:hiddenLine xmlns="" xmlns:a14="http://schemas.microsoft.com/office/drawing/2010/main" w="9525">
                     <a:solidFill>
                       <a:srgbClr val="000000"/>
                     </a:solidFill>
@@ -11596,7 +11596,7 @@
               </a:ln>
               <a:extLst>
                 <a:ext uri="{91240B29-F687-4f45-9708-019B960494DF}">
-                  <a14:hiddenLine xmlns:a14="http://schemas.microsoft.com/office/drawing/2010/main" xmlns="" w="9525">
+                  <a14:hiddenLine xmlns="" xmlns:a14="http://schemas.microsoft.com/office/drawing/2010/main" w="9525">
                     <a:solidFill>
                       <a:srgbClr val="000000"/>
                     </a:solidFill>
@@ -11686,7 +11686,7 @@
               </a:ln>
               <a:extLst>
                 <a:ext uri="{91240B29-F687-4f45-9708-019B960494DF}">
-                  <a14:hiddenLine xmlns:a14="http://schemas.microsoft.com/office/drawing/2010/main" xmlns="" w="9525">
+                  <a14:hiddenLine xmlns="" xmlns:a14="http://schemas.microsoft.com/office/drawing/2010/main" w="9525">
                     <a:solidFill>
                       <a:srgbClr val="000000"/>
                     </a:solidFill>
@@ -11754,7 +11754,7 @@
               </a:ln>
               <a:extLst>
                 <a:ext uri="{91240B29-F687-4f45-9708-019B960494DF}">
-                  <a14:hiddenLine xmlns:a14="http://schemas.microsoft.com/office/drawing/2010/main" xmlns="" w="9525">
+                  <a14:hiddenLine xmlns="" xmlns:a14="http://schemas.microsoft.com/office/drawing/2010/main" w="9525">
                     <a:solidFill>
                       <a:srgbClr val="000000"/>
                     </a:solidFill>
@@ -11844,7 +11844,7 @@
               </a:ln>
               <a:extLst>
                 <a:ext uri="{91240B29-F687-4f45-9708-019B960494DF}">
-                  <a14:hiddenLine xmlns:a14="http://schemas.microsoft.com/office/drawing/2010/main" xmlns="" w="9525">
+                  <a14:hiddenLine xmlns="" xmlns:a14="http://schemas.microsoft.com/office/drawing/2010/main" w="9525">
                     <a:solidFill>
                       <a:srgbClr val="000000"/>
                     </a:solidFill>
@@ -11878,7 +11878,7 @@
               </a:ln>
               <a:extLst>
                 <a:ext uri="{91240B29-F687-4f45-9708-019B960494DF}">
-                  <a14:hiddenLine xmlns:a14="http://schemas.microsoft.com/office/drawing/2010/main" xmlns="" w="9525">
+                  <a14:hiddenLine xmlns="" xmlns:a14="http://schemas.microsoft.com/office/drawing/2010/main" w="9525">
                     <a:solidFill>
                       <a:srgbClr val="000000"/>
                     </a:solidFill>
@@ -12638,12 +12638,16 @@
               <a:t>Supplies needed (other than PCB, 3D printed microcontroller </a:t>
             </a:r>
             <a:r>
-              <a:rPr lang="en-US" u="sng" dirty="0" err="1"/>
-              <a:t>holder,and</a:t>
+              <a:rPr lang="en-US" u="sng" err="1"/>
+              <a:t>holder</a:t>
+            </a:r>
+            <a:r>
+              <a:rPr lang="en-US" u="sng"/>
+              <a:t>, and </a:t>
             </a:r>
             <a:r>
               <a:rPr lang="en-US" u="sng" dirty="0"/>
-              <a:t> case):</a:t>
+              <a:t>case):</a:t>
             </a:r>
           </a:p>
           <a:p>
